--- a/Projektdokumentationen/Projektabgabe/Projektabgabe.pptx
+++ b/Projektdokumentationen/Projektabgabe/Projektabgabe.pptx
@@ -6,18 +6,16 @@
   </p:sldMasterIdLst>
   <p:sldIdLst>
     <p:sldId id="256" r:id="rId2"/>
-    <p:sldId id="257" r:id="rId3"/>
-    <p:sldId id="258" r:id="rId4"/>
-    <p:sldId id="262" r:id="rId5"/>
-    <p:sldId id="263" r:id="rId6"/>
-    <p:sldId id="264" r:id="rId7"/>
-    <p:sldId id="265" r:id="rId8"/>
-    <p:sldId id="266" r:id="rId9"/>
-    <p:sldId id="267" r:id="rId10"/>
-    <p:sldId id="268" r:id="rId11"/>
-    <p:sldId id="259" r:id="rId12"/>
-    <p:sldId id="260" r:id="rId13"/>
-    <p:sldId id="261" r:id="rId14"/>
+    <p:sldId id="258" r:id="rId3"/>
+    <p:sldId id="262" r:id="rId4"/>
+    <p:sldId id="263" r:id="rId5"/>
+    <p:sldId id="264" r:id="rId6"/>
+    <p:sldId id="265" r:id="rId7"/>
+    <p:sldId id="266" r:id="rId8"/>
+    <p:sldId id="268" r:id="rId9"/>
+    <p:sldId id="269" r:id="rId10"/>
+    <p:sldId id="259" r:id="rId11"/>
+    <p:sldId id="270" r:id="rId12"/>
   </p:sldIdLst>
   <p:sldSz cx="12192000" cy="6858000"/>
   <p:notesSz cx="6858000" cy="9144000"/>
@@ -455,7 +453,7 @@
           <a:p>
             <a:fld id="{BE1A3015-0B70-4E34-B0B6-416B0C1A7855}" type="datetimeFigureOut">
               <a:rPr lang="de-DE" smtClean="0"/>
-              <a:t>09.07.2018</a:t>
+              <a:t>11.07.2018</a:t>
             </a:fld>
             <a:endParaRPr lang="de-DE"/>
           </a:p>
@@ -779,7 +777,7 @@
           <a:p>
             <a:fld id="{BE1A3015-0B70-4E34-B0B6-416B0C1A7855}" type="datetimeFigureOut">
               <a:rPr lang="de-DE" smtClean="0"/>
-              <a:t>09.07.2018</a:t>
+              <a:t>11.07.2018</a:t>
             </a:fld>
             <a:endParaRPr lang="de-DE"/>
           </a:p>
@@ -1027,7 +1025,7 @@
           <a:p>
             <a:fld id="{BE1A3015-0B70-4E34-B0B6-416B0C1A7855}" type="datetimeFigureOut">
               <a:rPr lang="de-DE" smtClean="0"/>
-              <a:t>09.07.2018</a:t>
+              <a:t>11.07.2018</a:t>
             </a:fld>
             <a:endParaRPr lang="de-DE"/>
           </a:p>
@@ -1366,7 +1364,7 @@
           <a:p>
             <a:fld id="{BE1A3015-0B70-4E34-B0B6-416B0C1A7855}" type="datetimeFigureOut">
               <a:rPr lang="de-DE" smtClean="0"/>
-              <a:t>09.07.2018</a:t>
+              <a:t>11.07.2018</a:t>
             </a:fld>
             <a:endParaRPr lang="de-DE"/>
           </a:p>
@@ -1713,7 +1711,7 @@
           <a:p>
             <a:fld id="{BE1A3015-0B70-4E34-B0B6-416B0C1A7855}" type="datetimeFigureOut">
               <a:rPr lang="de-DE" smtClean="0"/>
-              <a:t>09.07.2018</a:t>
+              <a:t>11.07.2018</a:t>
             </a:fld>
             <a:endParaRPr lang="de-DE"/>
           </a:p>
@@ -2087,7 +2085,7 @@
           <a:p>
             <a:fld id="{BE1A3015-0B70-4E34-B0B6-416B0C1A7855}" type="datetimeFigureOut">
               <a:rPr lang="de-DE" smtClean="0"/>
-              <a:t>09.07.2018</a:t>
+              <a:t>11.07.2018</a:t>
             </a:fld>
             <a:endParaRPr lang="de-DE"/>
           </a:p>
@@ -2557,7 +2555,7 @@
           <a:p>
             <a:fld id="{BE1A3015-0B70-4E34-B0B6-416B0C1A7855}" type="datetimeFigureOut">
               <a:rPr lang="de-DE" smtClean="0"/>
-              <a:t>09.07.2018</a:t>
+              <a:t>11.07.2018</a:t>
             </a:fld>
             <a:endParaRPr lang="de-DE"/>
           </a:p>
@@ -2762,7 +2760,7 @@
           <a:p>
             <a:fld id="{BE1A3015-0B70-4E34-B0B6-416B0C1A7855}" type="datetimeFigureOut">
               <a:rPr lang="de-DE" smtClean="0"/>
-              <a:t>09.07.2018</a:t>
+              <a:t>11.07.2018</a:t>
             </a:fld>
             <a:endParaRPr lang="de-DE"/>
           </a:p>
@@ -2973,7 +2971,7 @@
           <a:p>
             <a:fld id="{BE1A3015-0B70-4E34-B0B6-416B0C1A7855}" type="datetimeFigureOut">
               <a:rPr lang="de-DE" smtClean="0"/>
-              <a:t>09.07.2018</a:t>
+              <a:t>11.07.2018</a:t>
             </a:fld>
             <a:endParaRPr lang="de-DE"/>
           </a:p>
@@ -3205,7 +3203,7 @@
           <a:p>
             <a:fld id="{BE1A3015-0B70-4E34-B0B6-416B0C1A7855}" type="datetimeFigureOut">
               <a:rPr lang="de-DE" smtClean="0"/>
-              <a:t>09.07.2018</a:t>
+              <a:t>11.07.2018</a:t>
             </a:fld>
             <a:endParaRPr lang="de-DE"/>
           </a:p>
@@ -3453,7 +3451,7 @@
           <a:p>
             <a:fld id="{BE1A3015-0B70-4E34-B0B6-416B0C1A7855}" type="datetimeFigureOut">
               <a:rPr lang="de-DE" smtClean="0"/>
-              <a:t>09.07.2018</a:t>
+              <a:t>11.07.2018</a:t>
             </a:fld>
             <a:endParaRPr lang="de-DE"/>
           </a:p>
@@ -3751,7 +3749,7 @@
           <a:p>
             <a:fld id="{BE1A3015-0B70-4E34-B0B6-416B0C1A7855}" type="datetimeFigureOut">
               <a:rPr lang="de-DE" smtClean="0"/>
-              <a:t>09.07.2018</a:t>
+              <a:t>11.07.2018</a:t>
             </a:fld>
             <a:endParaRPr lang="de-DE"/>
           </a:p>
@@ -4145,7 +4143,7 @@
           <a:p>
             <a:fld id="{BE1A3015-0B70-4E34-B0B6-416B0C1A7855}" type="datetimeFigureOut">
               <a:rPr lang="de-DE" smtClean="0"/>
-              <a:t>09.07.2018</a:t>
+              <a:t>11.07.2018</a:t>
             </a:fld>
             <a:endParaRPr lang="de-DE"/>
           </a:p>
@@ -4294,7 +4292,7 @@
           <a:p>
             <a:fld id="{BE1A3015-0B70-4E34-B0B6-416B0C1A7855}" type="datetimeFigureOut">
               <a:rPr lang="de-DE" smtClean="0"/>
-              <a:t>09.07.2018</a:t>
+              <a:t>11.07.2018</a:t>
             </a:fld>
             <a:endParaRPr lang="de-DE"/>
           </a:p>
@@ -4420,7 +4418,7 @@
           <a:p>
             <a:fld id="{BE1A3015-0B70-4E34-B0B6-416B0C1A7855}" type="datetimeFigureOut">
               <a:rPr lang="de-DE" smtClean="0"/>
-              <a:t>09.07.2018</a:t>
+              <a:t>11.07.2018</a:t>
             </a:fld>
             <a:endParaRPr lang="de-DE"/>
           </a:p>
@@ -4675,7 +4673,7 @@
           <a:p>
             <a:fld id="{BE1A3015-0B70-4E34-B0B6-416B0C1A7855}" type="datetimeFigureOut">
               <a:rPr lang="de-DE" smtClean="0"/>
-              <a:t>09.07.2018</a:t>
+              <a:t>11.07.2018</a:t>
             </a:fld>
             <a:endParaRPr lang="de-DE"/>
           </a:p>
@@ -4990,7 +4988,7 @@
           <a:p>
             <a:fld id="{BE1A3015-0B70-4E34-B0B6-416B0C1A7855}" type="datetimeFigureOut">
               <a:rPr lang="de-DE" smtClean="0"/>
-              <a:t>09.07.2018</a:t>
+              <a:t>11.07.2018</a:t>
             </a:fld>
             <a:endParaRPr lang="de-DE"/>
           </a:p>
@@ -5341,7 +5339,7 @@
           <a:p>
             <a:fld id="{BE1A3015-0B70-4E34-B0B6-416B0C1A7855}" type="datetimeFigureOut">
               <a:rPr lang="de-DE" smtClean="0"/>
-              <a:t>09.07.2018</a:t>
+              <a:t>11.07.2018</a:t>
             </a:fld>
             <a:endParaRPr lang="de-DE"/>
           </a:p>
@@ -5979,8 +5977,20 @@
           <a:lstStyle/>
           <a:p>
             <a:r>
+              <a:rPr lang="de-DE" dirty="0" err="1" smtClean="0"/>
+              <a:t>Lessons</a:t>
+            </a:r>
+            <a:r>
               <a:rPr lang="de-DE" dirty="0" smtClean="0"/>
-              <a:t>Verwendete Technologien</a:t>
+              <a:t> </a:t>
+            </a:r>
+            <a:r>
+              <a:rPr lang="de-DE" dirty="0" err="1" smtClean="0"/>
+              <a:t>Learned</a:t>
+            </a:r>
+            <a:r>
+              <a:rPr lang="de-DE" dirty="0" smtClean="0"/>
+              <a:t> </a:t>
             </a:r>
             <a:endParaRPr lang="de-DE" dirty="0"/>
           </a:p>
@@ -5998,34 +6008,103 @@
         </p:nvSpPr>
         <p:spPr/>
         <p:txBody>
-          <a:bodyPr/>
-          <a:lstStyle/>
+          <a:bodyPr>
+            <a:normAutofit/>
+          </a:bodyPr>
+          <a:lstStyle/>
+          <a:p>
+            <a:r>
+              <a:rPr lang="de-DE" dirty="0" smtClean="0"/>
+              <a:t>Umfang </a:t>
+            </a:r>
+            <a:r>
+              <a:rPr lang="de-DE" dirty="0" smtClean="0"/>
+              <a:t>verringern</a:t>
+            </a:r>
+            <a:endParaRPr lang="de-DE" dirty="0"/>
+          </a:p>
+          <a:p>
+            <a:r>
+              <a:rPr lang="de-DE" dirty="0"/>
+              <a:t>Neue Technologien </a:t>
+            </a:r>
+            <a:r>
+              <a:rPr lang="de-DE" dirty="0" smtClean="0">
+                <a:sym typeface="Wingdings" panose="05000000000000000000" pitchFamily="2" charset="2"/>
+              </a:rPr>
+              <a:t></a:t>
+            </a:r>
+            <a:r>
+              <a:rPr lang="de-DE" dirty="0" smtClean="0"/>
+              <a:t> </a:t>
+            </a:r>
+            <a:r>
+              <a:rPr lang="de-DE" dirty="0"/>
+              <a:t>Neue </a:t>
+            </a:r>
+            <a:r>
+              <a:rPr lang="de-DE" dirty="0" smtClean="0"/>
+              <a:t>Ansätze </a:t>
+            </a:r>
+            <a:r>
+              <a:rPr lang="de-DE" dirty="0" smtClean="0">
+                <a:sym typeface="Wingdings" panose="05000000000000000000" pitchFamily="2" charset="2"/>
+              </a:rPr>
+              <a:t></a:t>
+            </a:r>
+            <a:r>
+              <a:rPr lang="de-DE" dirty="0" smtClean="0"/>
+              <a:t> Neue Denkweise</a:t>
+            </a:r>
+          </a:p>
+          <a:p>
+            <a:r>
+              <a:rPr lang="de-DE" dirty="0" smtClean="0"/>
+              <a:t>Technische Probleme</a:t>
+            </a:r>
+          </a:p>
+          <a:p>
+            <a:r>
+              <a:rPr lang="de-DE" dirty="0"/>
+              <a:t>Siehe nichts als zu trivial</a:t>
+            </a:r>
+            <a:r>
+              <a:rPr lang="de-DE" dirty="0" smtClean="0"/>
+              <a:t>!</a:t>
+            </a:r>
+          </a:p>
+          <a:p>
+            <a:r>
+              <a:rPr lang="de-DE" dirty="0" smtClean="0"/>
+              <a:t>Wähle die IDE weise!</a:t>
+            </a:r>
+          </a:p>
           <a:p>
             <a:r>
               <a:rPr lang="de-DE" dirty="0" err="1" smtClean="0"/>
-              <a:t>ReactJS</a:t>
-            </a:r>
+              <a:t>Console</a:t>
+            </a:r>
+            <a:r>
+              <a:rPr lang="de-DE" dirty="0" smtClean="0"/>
+              <a:t>/Debugger Umgang</a:t>
+            </a:r>
+            <a:endParaRPr lang="de-DE" dirty="0"/>
+          </a:p>
+          <a:p>
+            <a:endParaRPr lang="de-DE" dirty="0"/>
+          </a:p>
+          <a:p>
+            <a:endParaRPr lang="de-DE" dirty="0"/>
+          </a:p>
+          <a:p>
             <a:endParaRPr lang="de-DE" dirty="0" smtClean="0"/>
-          </a:p>
-          <a:p>
-            <a:r>
-              <a:rPr lang="de-DE" dirty="0" smtClean="0"/>
-              <a:t>HTML</a:t>
-            </a:r>
-          </a:p>
-          <a:p>
-            <a:r>
-              <a:rPr lang="de-DE" smtClean="0"/>
-              <a:t>Javascript</a:t>
-            </a:r>
-            <a:endParaRPr lang="de-DE"/>
           </a:p>
         </p:txBody>
       </p:sp>
     </p:spTree>
     <p:extLst>
       <p:ext uri="{BB962C8B-B14F-4D97-AF65-F5344CB8AC3E}">
-        <p14:creationId xmlns:p14="http://schemas.microsoft.com/office/powerpoint/2010/main" val="1131254442"/>
+        <p14:creationId xmlns:p14="http://schemas.microsoft.com/office/powerpoint/2010/main" val="1489213880"/>
       </p:ext>
     </p:extLst>
   </p:cSld>
@@ -6068,63 +6147,9 @@
           <a:lstStyle/>
           <a:p>
             <a:r>
-              <a:rPr lang="de-DE" dirty="0" err="1" smtClean="0"/>
-              <a:t>Lessons</a:t>
-            </a:r>
-            <a:r>
               <a:rPr lang="de-DE" dirty="0" smtClean="0"/>
-              <a:t> </a:t>
-            </a:r>
-            <a:r>
-              <a:rPr lang="de-DE" dirty="0" err="1" smtClean="0"/>
-              <a:t>Learned</a:t>
-            </a:r>
-            <a:r>
-              <a:rPr lang="de-DE" dirty="0" smtClean="0"/>
-              <a:t> I </a:t>
-            </a:r>
-            <a:endParaRPr lang="de-DE" dirty="0"/>
-          </a:p>
-        </p:txBody>
-      </p:sp>
-      <p:sp>
-        <p:nvSpPr>
-          <p:cNvPr id="3" name="Inhaltsplatzhalter 2"/>
-          <p:cNvSpPr>
-            <a:spLocks noGrp="1"/>
-          </p:cNvSpPr>
-          <p:nvPr>
-            <p:ph idx="1"/>
-          </p:nvPr>
-        </p:nvSpPr>
-        <p:spPr/>
-        <p:txBody>
-          <a:bodyPr>
-            <a:normAutofit/>
-          </a:bodyPr>
-          <a:lstStyle/>
-          <a:p>
-            <a:r>
-              <a:rPr lang="de-DE" dirty="0" smtClean="0"/>
-              <a:t>Umfang verringern</a:t>
-            </a:r>
-          </a:p>
-          <a:p>
-            <a:pPr lvl="1"/>
-            <a:r>
-              <a:rPr lang="de-DE" dirty="0" smtClean="0"/>
-              <a:t>Auch wenn es wenig scheint, sind die Anforderungen die an dieses Projekt gegeben waren, nicht zu vernachlässigen. Wir sind beides keine Profi </a:t>
-            </a:r>
-            <a:r>
-              <a:rPr lang="de-DE" dirty="0" err="1" smtClean="0"/>
-              <a:t>programmierer</a:t>
-            </a:r>
-            <a:r>
-              <a:rPr lang="de-DE" dirty="0" smtClean="0"/>
-              <a:t> und konnten nicht in Vollzeit daran arbeiten. Haben aber darauf geachtet, dass wir circa 8-10 Stunden/Woche am Projekt gesessen haben.</a:t>
-            </a:r>
-          </a:p>
-          <a:p>
+              <a:t>Vielen Dank für Ihre Aufmerksamkeit</a:t>
+            </a:r>
             <a:endParaRPr lang="de-DE" dirty="0"/>
           </a:p>
         </p:txBody>
@@ -6132,270 +6157,7 @@
     </p:spTree>
     <p:extLst>
       <p:ext uri="{BB962C8B-B14F-4D97-AF65-F5344CB8AC3E}">
-        <p14:creationId xmlns:p14="http://schemas.microsoft.com/office/powerpoint/2010/main" val="1489213880"/>
-      </p:ext>
-    </p:extLst>
-  </p:cSld>
-  <p:clrMapOvr>
-    <a:masterClrMapping/>
-  </p:clrMapOvr>
-</p:sld>
-</file>
-
-<file path=ppt/slides/slide12.xml><?xml version="1.0" encoding="utf-8"?>
-<p:sld xmlns:a="http://schemas.openxmlformats.org/drawingml/2006/main" xmlns:r="http://schemas.openxmlformats.org/officeDocument/2006/relationships" xmlns:p="http://schemas.openxmlformats.org/presentationml/2006/main">
-  <p:cSld>
-    <p:spTree>
-      <p:nvGrpSpPr>
-        <p:cNvPr id="1" name=""/>
-        <p:cNvGrpSpPr/>
-        <p:nvPr/>
-      </p:nvGrpSpPr>
-      <p:grpSpPr>
-        <a:xfrm>
-          <a:off x="0" y="0"/>
-          <a:ext cx="0" cy="0"/>
-          <a:chOff x="0" y="0"/>
-          <a:chExt cx="0" cy="0"/>
-        </a:xfrm>
-      </p:grpSpPr>
-      <p:sp>
-        <p:nvSpPr>
-          <p:cNvPr id="2" name="Titel 1"/>
-          <p:cNvSpPr>
-            <a:spLocks noGrp="1"/>
-          </p:cNvSpPr>
-          <p:nvPr>
-            <p:ph type="title"/>
-          </p:nvPr>
-        </p:nvSpPr>
-        <p:spPr/>
-        <p:txBody>
-          <a:bodyPr/>
-          <a:lstStyle/>
-          <a:p>
-            <a:r>
-              <a:rPr lang="de-DE" dirty="0" err="1" smtClean="0"/>
-              <a:t>Lessons</a:t>
-            </a:r>
-            <a:r>
-              <a:rPr lang="de-DE" dirty="0" smtClean="0"/>
-              <a:t> </a:t>
-            </a:r>
-            <a:r>
-              <a:rPr lang="de-DE" dirty="0" err="1" smtClean="0"/>
-              <a:t>Learned</a:t>
-            </a:r>
-            <a:r>
-              <a:rPr lang="de-DE" dirty="0" smtClean="0"/>
-              <a:t> II</a:t>
-            </a:r>
-            <a:endParaRPr lang="de-DE" dirty="0"/>
-          </a:p>
-        </p:txBody>
-      </p:sp>
-      <p:sp>
-        <p:nvSpPr>
-          <p:cNvPr id="3" name="Inhaltsplatzhalter 2"/>
-          <p:cNvSpPr>
-            <a:spLocks noGrp="1"/>
-          </p:cNvSpPr>
-          <p:nvPr>
-            <p:ph idx="1"/>
-          </p:nvPr>
-        </p:nvSpPr>
-        <p:spPr/>
-        <p:txBody>
-          <a:bodyPr/>
-          <a:lstStyle/>
-          <a:p>
-            <a:r>
-              <a:rPr lang="de-DE" dirty="0"/>
-              <a:t>Neue Technologien = Neue </a:t>
-            </a:r>
-            <a:r>
-              <a:rPr lang="de-DE" dirty="0" smtClean="0"/>
-              <a:t>Ansätze</a:t>
-            </a:r>
-          </a:p>
-          <a:p>
-            <a:pPr lvl="1"/>
-            <a:r>
-              <a:rPr lang="de-DE" dirty="0" smtClean="0"/>
-              <a:t>Es ist uns ein Rätsel, wie man gut und gern mit </a:t>
-            </a:r>
-            <a:r>
-              <a:rPr lang="de-DE" dirty="0" err="1" smtClean="0"/>
-              <a:t>ReactJS</a:t>
-            </a:r>
-            <a:r>
-              <a:rPr lang="de-DE" dirty="0" smtClean="0"/>
-              <a:t> umgeht. </a:t>
-            </a:r>
-            <a:r>
-              <a:rPr lang="de-DE" dirty="0" err="1" smtClean="0"/>
-              <a:t>Desweiteren</a:t>
-            </a:r>
-            <a:r>
-              <a:rPr lang="de-DE" dirty="0" smtClean="0"/>
-              <a:t> sind wir der Meinung, dass „klassischere“ Technologien zum Beispiel Java/</a:t>
-            </a:r>
-            <a:r>
-              <a:rPr lang="de-DE" dirty="0" err="1" smtClean="0"/>
-              <a:t>Javascript</a:t>
-            </a:r>
-            <a:r>
-              <a:rPr lang="de-DE" dirty="0"/>
-              <a:t> </a:t>
-            </a:r>
-            <a:r>
-              <a:rPr lang="de-DE" dirty="0" smtClean="0"/>
-              <a:t>uns den Aufwand erleichtert hätte. </a:t>
-            </a:r>
-          </a:p>
-          <a:p>
-            <a:pPr lvl="1"/>
-            <a:r>
-              <a:rPr lang="de-DE" dirty="0" smtClean="0"/>
-              <a:t>Komponentenbasierte Denkweise fällt uns nicht leicht.</a:t>
-            </a:r>
-            <a:endParaRPr lang="de-DE" dirty="0"/>
-          </a:p>
-          <a:p>
-            <a:endParaRPr lang="de-DE" dirty="0"/>
-          </a:p>
-        </p:txBody>
-      </p:sp>
-    </p:spTree>
-    <p:extLst>
-      <p:ext uri="{BB962C8B-B14F-4D97-AF65-F5344CB8AC3E}">
-        <p14:creationId xmlns:p14="http://schemas.microsoft.com/office/powerpoint/2010/main" val="969836735"/>
-      </p:ext>
-    </p:extLst>
-  </p:cSld>
-  <p:clrMapOvr>
-    <a:masterClrMapping/>
-  </p:clrMapOvr>
-</p:sld>
-</file>
-
-<file path=ppt/slides/slide13.xml><?xml version="1.0" encoding="utf-8"?>
-<p:sld xmlns:a="http://schemas.openxmlformats.org/drawingml/2006/main" xmlns:r="http://schemas.openxmlformats.org/officeDocument/2006/relationships" xmlns:p="http://schemas.openxmlformats.org/presentationml/2006/main">
-  <p:cSld>
-    <p:spTree>
-      <p:nvGrpSpPr>
-        <p:cNvPr id="1" name=""/>
-        <p:cNvGrpSpPr/>
-        <p:nvPr/>
-      </p:nvGrpSpPr>
-      <p:grpSpPr>
-        <a:xfrm>
-          <a:off x="0" y="0"/>
-          <a:ext cx="0" cy="0"/>
-          <a:chOff x="0" y="0"/>
-          <a:chExt cx="0" cy="0"/>
-        </a:xfrm>
-      </p:grpSpPr>
-      <p:sp>
-        <p:nvSpPr>
-          <p:cNvPr id="2" name="Titel 1"/>
-          <p:cNvSpPr>
-            <a:spLocks noGrp="1"/>
-          </p:cNvSpPr>
-          <p:nvPr>
-            <p:ph type="title"/>
-          </p:nvPr>
-        </p:nvSpPr>
-        <p:spPr/>
-        <p:txBody>
-          <a:bodyPr/>
-          <a:lstStyle/>
-          <a:p>
-            <a:r>
-              <a:rPr lang="de-DE" dirty="0" err="1" smtClean="0"/>
-              <a:t>Lessons</a:t>
-            </a:r>
-            <a:r>
-              <a:rPr lang="de-DE" dirty="0" smtClean="0"/>
-              <a:t> </a:t>
-            </a:r>
-            <a:r>
-              <a:rPr lang="de-DE" dirty="0" err="1" smtClean="0"/>
-              <a:t>Learned</a:t>
-            </a:r>
-            <a:r>
-              <a:rPr lang="de-DE" dirty="0" smtClean="0"/>
-              <a:t> III</a:t>
-            </a:r>
-            <a:endParaRPr lang="de-DE" dirty="0"/>
-          </a:p>
-        </p:txBody>
-      </p:sp>
-      <p:sp>
-        <p:nvSpPr>
-          <p:cNvPr id="3" name="Inhaltsplatzhalter 2"/>
-          <p:cNvSpPr>
-            <a:spLocks noGrp="1"/>
-          </p:cNvSpPr>
-          <p:nvPr>
-            <p:ph idx="1"/>
-          </p:nvPr>
-        </p:nvSpPr>
-        <p:spPr/>
-        <p:txBody>
-          <a:bodyPr/>
-          <a:lstStyle/>
-          <a:p>
-            <a:r>
-              <a:rPr lang="de-DE" dirty="0" smtClean="0"/>
-              <a:t>Vertraue nur auf deine Technik…</a:t>
-            </a:r>
-          </a:p>
-          <a:p>
-            <a:pPr lvl="1"/>
-            <a:r>
-              <a:rPr lang="de-DE" dirty="0" smtClean="0"/>
-              <a:t>Die neue </a:t>
-            </a:r>
-            <a:r>
-              <a:rPr lang="de-DE" dirty="0" err="1" smtClean="0"/>
-              <a:t>Sicherheitspolicy</a:t>
-            </a:r>
-            <a:r>
-              <a:rPr lang="de-DE" dirty="0" smtClean="0"/>
-              <a:t> des Unternehmens hat mir einen Strich durch die Rechnung gemacht…</a:t>
-            </a:r>
-          </a:p>
-          <a:p>
-            <a:pPr lvl="1"/>
-            <a:endParaRPr lang="de-DE" dirty="0" smtClean="0"/>
-          </a:p>
-          <a:p>
-            <a:r>
-              <a:rPr lang="de-DE" dirty="0" smtClean="0"/>
-              <a:t>Siehe nichts als zu trivial!</a:t>
-            </a:r>
-          </a:p>
-          <a:p>
-            <a:pPr lvl="1"/>
-            <a:r>
-              <a:rPr lang="de-DE" dirty="0" smtClean="0"/>
-              <a:t>Selbst „kleinere“ Komponenten haben teilweise mehr als einen Tag an Arbeit in Anspruch genommen.</a:t>
-            </a:r>
-          </a:p>
-          <a:p>
-            <a:pPr lvl="1"/>
-            <a:endParaRPr lang="de-DE" dirty="0"/>
-          </a:p>
-          <a:p>
-            <a:endParaRPr lang="de-DE" dirty="0"/>
-          </a:p>
-        </p:txBody>
-      </p:sp>
-    </p:spTree>
-    <p:extLst>
-      <p:ext uri="{BB962C8B-B14F-4D97-AF65-F5344CB8AC3E}">
-        <p14:creationId xmlns:p14="http://schemas.microsoft.com/office/powerpoint/2010/main" val="495473216"/>
+        <p14:creationId xmlns:p14="http://schemas.microsoft.com/office/powerpoint/2010/main" val="88125589"/>
       </p:ext>
     </p:extLst>
   </p:cSld>
@@ -6432,6 +6194,34 @@
             <p:ph type="title"/>
           </p:nvPr>
         </p:nvSpPr>
+        <p:spPr>
+          <a:xfrm>
+            <a:off x="1295401" y="196583"/>
+            <a:ext cx="9601196" cy="1303867"/>
+          </a:xfrm>
+        </p:spPr>
+        <p:txBody>
+          <a:bodyPr/>
+          <a:lstStyle/>
+          <a:p>
+            <a:r>
+              <a:rPr lang="de-DE" dirty="0" smtClean="0"/>
+              <a:t>Ziele der Anwendung</a:t>
+            </a:r>
+            <a:endParaRPr lang="de-DE" dirty="0"/>
+          </a:p>
+        </p:txBody>
+      </p:sp>
+      <p:sp>
+        <p:nvSpPr>
+          <p:cNvPr id="3" name="Inhaltsplatzhalter 2"/>
+          <p:cNvSpPr>
+            <a:spLocks noGrp="1"/>
+          </p:cNvSpPr>
+          <p:nvPr>
+            <p:ph idx="1"/>
+          </p:nvPr>
+        </p:nvSpPr>
         <p:spPr/>
         <p:txBody>
           <a:bodyPr/>
@@ -6439,35 +6229,69 @@
           <a:p>
             <a:r>
               <a:rPr lang="de-DE" dirty="0" smtClean="0"/>
-              <a:t>Agenda</a:t>
-            </a:r>
+              <a:t>Webapplikation </a:t>
+            </a:r>
+            <a:r>
+              <a:rPr lang="de-DE" dirty="0"/>
+              <a:t/>
+            </a:r>
+            <a:br>
+              <a:rPr lang="de-DE" dirty="0"/>
+            </a:br>
+            <a:r>
+              <a:rPr lang="de-DE" dirty="0" smtClean="0"/>
+              <a:t>zum </a:t>
+            </a:r>
+            <a:r>
+              <a:rPr lang="de-DE" dirty="0" smtClean="0"/>
+              <a:t>Scoren von Baseball </a:t>
+            </a:r>
+            <a:r>
+              <a:rPr lang="de-DE" dirty="0" smtClean="0"/>
+              <a:t/>
+            </a:r>
+            <a:br>
+              <a:rPr lang="de-DE" dirty="0" smtClean="0"/>
+            </a:br>
+            <a:r>
+              <a:rPr lang="de-DE" dirty="0" smtClean="0"/>
+              <a:t>Spielen</a:t>
+            </a:r>
+            <a:endParaRPr lang="de-DE" dirty="0" smtClean="0"/>
+          </a:p>
+          <a:p>
             <a:endParaRPr lang="de-DE" dirty="0"/>
           </a:p>
         </p:txBody>
       </p:sp>
-      <p:sp>
-        <p:nvSpPr>
-          <p:cNvPr id="3" name="Inhaltsplatzhalter 2"/>
-          <p:cNvSpPr>
-            <a:spLocks noGrp="1"/>
-          </p:cNvSpPr>
-          <p:nvPr>
-            <p:ph idx="1"/>
-          </p:nvPr>
-        </p:nvSpPr>
-        <p:spPr/>
-        <p:txBody>
-          <a:bodyPr/>
-          <a:lstStyle/>
-          <a:p>
-            <a:endParaRPr lang="de-DE"/>
-          </a:p>
-        </p:txBody>
-      </p:sp>
+      <p:pic>
+        <p:nvPicPr>
+          <p:cNvPr id="6" name="Grafik 5"/>
+          <p:cNvPicPr>
+            <a:picLocks noChangeAspect="1"/>
+          </p:cNvPicPr>
+          <p:nvPr/>
+        </p:nvPicPr>
+        <p:blipFill>
+          <a:blip r:embed="rId2"/>
+          <a:stretch>
+            <a:fillRect/>
+          </a:stretch>
+        </p:blipFill>
+        <p:spPr>
+          <a:xfrm>
+            <a:off x="4743450" y="1747835"/>
+            <a:ext cx="6481490" cy="4525650"/>
+          </a:xfrm>
+          <a:prstGeom prst="rect">
+            <a:avLst/>
+          </a:prstGeom>
+        </p:spPr>
+      </p:pic>
     </p:spTree>
     <p:extLst>
       <p:ext uri="{BB962C8B-B14F-4D97-AF65-F5344CB8AC3E}">
-        <p14:creationId xmlns:p14="http://schemas.microsoft.com/office/powerpoint/2010/main" val="3013816689"/>
+        <p14:creationId xmlns:p14="http://schemas.microsoft.com/office/powerpoint/2010/main" val="3864859492"/>
       </p:ext>
     </p:extLst>
   </p:cSld>
@@ -6511,48 +6335,61 @@
             <p:ph type="title"/>
           </p:nvPr>
         </p:nvSpPr>
-        <p:spPr/>
+        <p:spPr>
+          <a:xfrm>
+            <a:off x="1108923" y="216322"/>
+            <a:ext cx="9601196" cy="1303867"/>
+          </a:xfrm>
+        </p:spPr>
         <p:txBody>
           <a:bodyPr/>
           <a:lstStyle/>
           <a:p>
             <a:r>
+              <a:rPr lang="de-DE" dirty="0" err="1" smtClean="0"/>
+              <a:t>Use</a:t>
+            </a:r>
+            <a:r>
               <a:rPr lang="de-DE" dirty="0" smtClean="0"/>
-              <a:t>Ziele der Anwendung</a:t>
+              <a:t>-Cases I </a:t>
             </a:r>
             <a:endParaRPr lang="de-DE" dirty="0"/>
           </a:p>
         </p:txBody>
       </p:sp>
-      <p:sp>
-        <p:nvSpPr>
+      <p:pic>
+        <p:nvPicPr>
           <p:cNvPr id="3" name="Inhaltsplatzhalter 2"/>
-          <p:cNvSpPr>
-            <a:spLocks noGrp="1"/>
-          </p:cNvSpPr>
+          <p:cNvPicPr>
+            <a:picLocks noGrp="1" noChangeAspect="1"/>
+          </p:cNvPicPr>
           <p:nvPr>
             <p:ph idx="1"/>
           </p:nvPr>
-        </p:nvSpPr>
-        <p:spPr/>
-        <p:txBody>
-          <a:bodyPr/>
-          <a:lstStyle/>
-          <a:p>
-            <a:r>
-              <a:rPr lang="de-DE" dirty="0" smtClean="0"/>
-              <a:t>Webapplikation zum Scoren von Baseball Spielen</a:t>
-            </a:r>
-          </a:p>
-          <a:p>
-            <a:endParaRPr lang="de-DE" dirty="0"/>
-          </a:p>
-        </p:txBody>
-      </p:sp>
+        </p:nvPicPr>
+        <p:blipFill>
+          <a:blip r:embed="rId2">
+            <a:extLst>
+              <a:ext uri="{28A0092B-C50C-407E-A947-70E740481C1C}">
+                <a14:useLocalDpi xmlns:a14="http://schemas.microsoft.com/office/drawing/2010/main" val="0"/>
+              </a:ext>
+            </a:extLst>
+          </a:blip>
+          <a:stretch>
+            <a:fillRect/>
+          </a:stretch>
+        </p:blipFill>
+        <p:spPr>
+          <a:xfrm>
+            <a:off x="2533438" y="2485864"/>
+            <a:ext cx="3376083" cy="3317875"/>
+          </a:xfrm>
+        </p:spPr>
+      </p:pic>
     </p:spTree>
     <p:extLst>
       <p:ext uri="{BB962C8B-B14F-4D97-AF65-F5344CB8AC3E}">
-        <p14:creationId xmlns:p14="http://schemas.microsoft.com/office/powerpoint/2010/main" val="3864859492"/>
+        <p14:creationId xmlns:p14="http://schemas.microsoft.com/office/powerpoint/2010/main" val="3763749289"/>
       </p:ext>
     </p:extLst>
   </p:cSld>
@@ -6586,36 +6423,9 @@
           <a:chExt cx="0" cy="0"/>
         </a:xfrm>
       </p:grpSpPr>
-      <p:sp>
-        <p:nvSpPr>
-          <p:cNvPr id="2" name="Titel 1"/>
-          <p:cNvSpPr>
-            <a:spLocks noGrp="1"/>
-          </p:cNvSpPr>
-          <p:nvPr>
-            <p:ph type="title"/>
-          </p:nvPr>
-        </p:nvSpPr>
-        <p:spPr/>
-        <p:txBody>
-          <a:bodyPr/>
-          <a:lstStyle/>
-          <a:p>
-            <a:r>
-              <a:rPr lang="de-DE" dirty="0" err="1" smtClean="0"/>
-              <a:t>Use</a:t>
-            </a:r>
-            <a:r>
-              <a:rPr lang="de-DE" dirty="0" smtClean="0"/>
-              <a:t>-Cases I </a:t>
-            </a:r>
-            <a:endParaRPr lang="de-DE" dirty="0"/>
-          </a:p>
-        </p:txBody>
-      </p:sp>
       <p:pic>
         <p:nvPicPr>
-          <p:cNvPr id="3" name="Inhaltsplatzhalter 2"/>
+          <p:cNvPr id="4" name="Inhaltsplatzhalter 3"/>
           <p:cNvPicPr>
             <a:picLocks noGrp="1" noChangeAspect="1"/>
           </p:cNvPicPr>
@@ -6637,15 +6447,196 @@
         </p:blipFill>
         <p:spPr>
           <a:xfrm>
-            <a:off x="4407958" y="2531584"/>
-            <a:ext cx="3376083" cy="3317875"/>
+            <a:off x="1108923" y="1520190"/>
+            <a:ext cx="4651797" cy="4571594"/>
           </a:xfrm>
         </p:spPr>
       </p:pic>
+      <p:sp>
+        <p:nvSpPr>
+          <p:cNvPr id="5" name="Titel 1"/>
+          <p:cNvSpPr txBox="1">
+            <a:spLocks/>
+          </p:cNvSpPr>
+          <p:nvPr/>
+        </p:nvSpPr>
+        <p:spPr>
+          <a:xfrm>
+            <a:off x="1108923" y="216322"/>
+            <a:ext cx="9601196" cy="1303867"/>
+          </a:xfrm>
+          <a:prstGeom prst="rect">
+            <a:avLst/>
+          </a:prstGeom>
+          <a:effectLst/>
+        </p:spPr>
+        <p:txBody>
+          <a:bodyPr vert="horz" lIns="91440" tIns="45720" rIns="91440" bIns="45720" rtlCol="0" anchor="ctr">
+            <a:normAutofit/>
+          </a:bodyPr>
+          <a:lstStyle>
+            <a:lvl1pPr algn="ctr" defTabSz="457200" rtl="0" eaLnBrk="1" latinLnBrk="0" hangingPunct="1">
+              <a:spcBef>
+                <a:spcPct val="0"/>
+              </a:spcBef>
+              <a:buNone/>
+              <a:defRPr sz="4400" kern="1200" cap="none">
+                <a:ln w="3175" cmpd="sng">
+                  <a:noFill/>
+                </a:ln>
+                <a:solidFill>
+                  <a:schemeClr val="tx1">
+                    <a:lumMod val="85000"/>
+                    <a:lumOff val="15000"/>
+                  </a:schemeClr>
+                </a:solidFill>
+                <a:effectLst/>
+                <a:latin typeface="+mj-lt"/>
+                <a:ea typeface="+mj-ea"/>
+                <a:cs typeface="+mj-cs"/>
+              </a:defRPr>
+            </a:lvl1pPr>
+            <a:lvl2pPr eaLnBrk="1" hangingPunct="1">
+              <a:defRPr>
+                <a:solidFill>
+                  <a:schemeClr val="tx2"/>
+                </a:solidFill>
+              </a:defRPr>
+            </a:lvl2pPr>
+            <a:lvl3pPr eaLnBrk="1" hangingPunct="1">
+              <a:defRPr>
+                <a:solidFill>
+                  <a:schemeClr val="tx2"/>
+                </a:solidFill>
+              </a:defRPr>
+            </a:lvl3pPr>
+            <a:lvl4pPr eaLnBrk="1" hangingPunct="1">
+              <a:defRPr>
+                <a:solidFill>
+                  <a:schemeClr val="tx2"/>
+                </a:solidFill>
+              </a:defRPr>
+            </a:lvl4pPr>
+            <a:lvl5pPr eaLnBrk="1" hangingPunct="1">
+              <a:defRPr>
+                <a:solidFill>
+                  <a:schemeClr val="tx2"/>
+                </a:solidFill>
+              </a:defRPr>
+            </a:lvl5pPr>
+            <a:lvl6pPr eaLnBrk="1" hangingPunct="1">
+              <a:defRPr>
+                <a:solidFill>
+                  <a:schemeClr val="tx2"/>
+                </a:solidFill>
+              </a:defRPr>
+            </a:lvl6pPr>
+            <a:lvl7pPr eaLnBrk="1" hangingPunct="1">
+              <a:defRPr>
+                <a:solidFill>
+                  <a:schemeClr val="tx2"/>
+                </a:solidFill>
+              </a:defRPr>
+            </a:lvl7pPr>
+            <a:lvl8pPr eaLnBrk="1" hangingPunct="1">
+              <a:defRPr>
+                <a:solidFill>
+                  <a:schemeClr val="tx2"/>
+                </a:solidFill>
+              </a:defRPr>
+            </a:lvl8pPr>
+            <a:lvl9pPr eaLnBrk="1" hangingPunct="1">
+              <a:defRPr>
+                <a:solidFill>
+                  <a:schemeClr val="tx2"/>
+                </a:solidFill>
+              </a:defRPr>
+            </a:lvl9pPr>
+          </a:lstStyle>
+          <a:p>
+            <a:r>
+              <a:rPr lang="de-DE" smtClean="0"/>
+              <a:t>Use-Cases I </a:t>
+            </a:r>
+            <a:endParaRPr lang="de-DE" dirty="0"/>
+          </a:p>
+        </p:txBody>
+      </p:sp>
+      <p:pic>
+        <p:nvPicPr>
+          <p:cNvPr id="1026" name="Picture 2" descr="Image result for grüner haken"/>
+          <p:cNvPicPr>
+            <a:picLocks noChangeAspect="1" noChangeArrowheads="1"/>
+          </p:cNvPicPr>
+          <p:nvPr/>
+        </p:nvPicPr>
+        <p:blipFill>
+          <a:blip r:embed="rId3" cstate="print">
+            <a:extLst>
+              <a:ext uri="{28A0092B-C50C-407E-A947-70E740481C1C}">
+                <a14:useLocalDpi xmlns:a14="http://schemas.microsoft.com/office/drawing/2010/main" val="0"/>
+              </a:ext>
+            </a:extLst>
+          </a:blip>
+          <a:srcRect/>
+          <a:stretch>
+            <a:fillRect/>
+          </a:stretch>
+        </p:blipFill>
+        <p:spPr bwMode="auto">
+          <a:xfrm>
+            <a:off x="4723818" y="1988820"/>
+            <a:ext cx="748348" cy="748348"/>
+          </a:xfrm>
+          <a:prstGeom prst="rect">
+            <a:avLst/>
+          </a:prstGeom>
+          <a:noFill/>
+          <a:extLst>
+            <a:ext uri="{909E8E84-426E-40DD-AFC4-6F175D3DCCD1}">
+              <a14:hiddenFill xmlns:a14="http://schemas.microsoft.com/office/drawing/2010/main">
+                <a:solidFill>
+                  <a:srgbClr val="FFFFFF"/>
+                </a:solidFill>
+              </a14:hiddenFill>
+            </a:ext>
+          </a:extLst>
+        </p:spPr>
+      </p:pic>
+      <p:sp>
+        <p:nvSpPr>
+          <p:cNvPr id="7" name="Textfeld 6"/>
+          <p:cNvSpPr txBox="1"/>
+          <p:nvPr/>
+        </p:nvSpPr>
+        <p:spPr>
+          <a:xfrm>
+            <a:off x="6080760" y="2737168"/>
+            <a:ext cx="3543300" cy="646331"/>
+          </a:xfrm>
+          <a:prstGeom prst="rect">
+            <a:avLst/>
+          </a:prstGeom>
+          <a:noFill/>
+        </p:spPr>
+        <p:txBody>
+          <a:bodyPr wrap="square" rtlCol="0">
+            <a:spAutoFit/>
+          </a:bodyPr>
+          <a:lstStyle/>
+          <a:p>
+            <a:r>
+              <a:rPr lang="de-DE" dirty="0" smtClean="0"/>
+              <a:t>Realisierung erfolgte durch Navigation zu einer zweiten Seiten</a:t>
+            </a:r>
+            <a:endParaRPr lang="de-DE" dirty="0"/>
+          </a:p>
+        </p:txBody>
+      </p:sp>
     </p:spTree>
     <p:extLst>
       <p:ext uri="{BB962C8B-B14F-4D97-AF65-F5344CB8AC3E}">
-        <p14:creationId xmlns:p14="http://schemas.microsoft.com/office/powerpoint/2010/main" val="3763749289"/>
+        <p14:creationId xmlns:p14="http://schemas.microsoft.com/office/powerpoint/2010/main" val="2213788570"/>
       </p:ext>
     </p:extLst>
   </p:cSld>
@@ -6689,7 +6680,12 @@
             <p:ph type="title"/>
           </p:nvPr>
         </p:nvSpPr>
-        <p:spPr/>
+        <p:spPr>
+          <a:xfrm>
+            <a:off x="1280162" y="364914"/>
+            <a:ext cx="9601196" cy="1303867"/>
+          </a:xfrm>
+        </p:spPr>
         <p:txBody>
           <a:bodyPr/>
           <a:lstStyle/>
@@ -6699,8 +6695,12 @@
               <a:t>Use</a:t>
             </a:r>
             <a:r>
+              <a:rPr lang="de-DE" dirty="0"/>
+              <a:t>-</a:t>
+            </a:r>
+            <a:r>
               <a:rPr lang="de-DE" dirty="0" smtClean="0"/>
-              <a:t>-Cases II</a:t>
+              <a:t>Cases III</a:t>
             </a:r>
             <a:endParaRPr lang="de-DE" dirty="0"/>
           </a:p>
@@ -6730,15 +6730,86 @@
         </p:blipFill>
         <p:spPr>
           <a:xfrm>
-            <a:off x="4407958" y="2557463"/>
-            <a:ext cx="3376083" cy="3317875"/>
+            <a:off x="1413298" y="1668781"/>
+            <a:ext cx="4198943" cy="4126548"/>
           </a:xfrm>
         </p:spPr>
       </p:pic>
+      <p:pic>
+        <p:nvPicPr>
+          <p:cNvPr id="5" name="Picture 2" descr="Image result for grüner haken"/>
+          <p:cNvPicPr>
+            <a:picLocks noChangeAspect="1" noChangeArrowheads="1"/>
+          </p:cNvPicPr>
+          <p:nvPr/>
+        </p:nvPicPr>
+        <p:blipFill>
+          <a:blip r:embed="rId3" cstate="print">
+            <a:extLst>
+              <a:ext uri="{28A0092B-C50C-407E-A947-70E740481C1C}">
+                <a14:useLocalDpi xmlns:a14="http://schemas.microsoft.com/office/drawing/2010/main" val="0"/>
+              </a:ext>
+            </a:extLst>
+          </a:blip>
+          <a:srcRect/>
+          <a:stretch>
+            <a:fillRect/>
+          </a:stretch>
+        </p:blipFill>
+        <p:spPr bwMode="auto">
+          <a:xfrm>
+            <a:off x="4723979" y="2598474"/>
+            <a:ext cx="748348" cy="748348"/>
+          </a:xfrm>
+          <a:prstGeom prst="rect">
+            <a:avLst/>
+          </a:prstGeom>
+          <a:noFill/>
+          <a:extLst>
+            <a:ext uri="{909E8E84-426E-40DD-AFC4-6F175D3DCCD1}">
+              <a14:hiddenFill xmlns:a14="http://schemas.microsoft.com/office/drawing/2010/main">
+                <a:solidFill>
+                  <a:srgbClr val="FFFFFF"/>
+                </a:solidFill>
+              </a14:hiddenFill>
+            </a:ext>
+          </a:extLst>
+        </p:spPr>
+      </p:pic>
+      <p:sp>
+        <p:nvSpPr>
+          <p:cNvPr id="6" name="Textfeld 5"/>
+          <p:cNvSpPr txBox="1"/>
+          <p:nvPr/>
+        </p:nvSpPr>
+        <p:spPr>
+          <a:xfrm>
+            <a:off x="6080760" y="2737168"/>
+            <a:ext cx="3543300" cy="923330"/>
+          </a:xfrm>
+          <a:prstGeom prst="rect">
+            <a:avLst/>
+          </a:prstGeom>
+          <a:noFill/>
+        </p:spPr>
+        <p:txBody>
+          <a:bodyPr wrap="square" rtlCol="0">
+            <a:spAutoFit/>
+          </a:bodyPr>
+          <a:lstStyle/>
+          <a:p>
+            <a:r>
+              <a:rPr lang="de-DE" dirty="0" smtClean="0"/>
+              <a:t>Realisierung erfolgte durch öffnen eines Popups und eintragen der dafür vordefinierten Felder</a:t>
+            </a:r>
+            <a:endParaRPr lang="de-DE" dirty="0"/>
+          </a:p>
+        </p:txBody>
+      </p:sp>
     </p:spTree>
     <p:extLst>
       <p:ext uri="{BB962C8B-B14F-4D97-AF65-F5344CB8AC3E}">
-        <p14:creationId xmlns:p14="http://schemas.microsoft.com/office/powerpoint/2010/main" val="2213788570"/>
+        <p14:creationId xmlns:p14="http://schemas.microsoft.com/office/powerpoint/2010/main" val="3638698869"/>
       </p:ext>
     </p:extLst>
   </p:cSld>
@@ -6782,7 +6853,12 @@
             <p:ph type="title"/>
           </p:nvPr>
         </p:nvSpPr>
-        <p:spPr/>
+        <p:spPr>
+          <a:xfrm>
+            <a:off x="1200152" y="419390"/>
+            <a:ext cx="9601196" cy="1303867"/>
+          </a:xfrm>
+        </p:spPr>
         <p:txBody>
           <a:bodyPr/>
           <a:lstStyle/>
@@ -6792,12 +6868,8 @@
               <a:t>Use</a:t>
             </a:r>
             <a:r>
-              <a:rPr lang="de-DE" dirty="0"/>
-              <a:t>-</a:t>
-            </a:r>
-            <a:r>
               <a:rPr lang="de-DE" dirty="0" smtClean="0"/>
-              <a:t>Cases III</a:t>
+              <a:t>-Cases IV</a:t>
             </a:r>
             <a:endParaRPr lang="de-DE" dirty="0"/>
           </a:p>
@@ -6827,15 +6899,86 @@
         </p:blipFill>
         <p:spPr>
           <a:xfrm>
-            <a:off x="4407958" y="2557463"/>
-            <a:ext cx="3376083" cy="3317875"/>
+            <a:off x="1264501" y="1754270"/>
+            <a:ext cx="4293868" cy="4219836"/>
           </a:xfrm>
         </p:spPr>
       </p:pic>
+      <p:pic>
+        <p:nvPicPr>
+          <p:cNvPr id="5" name="Picture 2" descr="Image result for grüner haken"/>
+          <p:cNvPicPr>
+            <a:picLocks noChangeAspect="1" noChangeArrowheads="1"/>
+          </p:cNvPicPr>
+          <p:nvPr/>
+        </p:nvPicPr>
+        <p:blipFill>
+          <a:blip r:embed="rId3" cstate="print">
+            <a:extLst>
+              <a:ext uri="{28A0092B-C50C-407E-A947-70E740481C1C}">
+                <a14:useLocalDpi xmlns:a14="http://schemas.microsoft.com/office/drawing/2010/main" val="0"/>
+              </a:ext>
+            </a:extLst>
+          </a:blip>
+          <a:srcRect/>
+          <a:stretch>
+            <a:fillRect/>
+          </a:stretch>
+        </p:blipFill>
+        <p:spPr bwMode="auto">
+          <a:xfrm>
+            <a:off x="4719903" y="3224709"/>
+            <a:ext cx="748348" cy="748348"/>
+          </a:xfrm>
+          <a:prstGeom prst="rect">
+            <a:avLst/>
+          </a:prstGeom>
+          <a:noFill/>
+          <a:extLst>
+            <a:ext uri="{909E8E84-426E-40DD-AFC4-6F175D3DCCD1}">
+              <a14:hiddenFill xmlns:a14="http://schemas.microsoft.com/office/drawing/2010/main">
+                <a:solidFill>
+                  <a:srgbClr val="FFFFFF"/>
+                </a:solidFill>
+              </a14:hiddenFill>
+            </a:ext>
+          </a:extLst>
+        </p:spPr>
+      </p:pic>
+      <p:sp>
+        <p:nvSpPr>
+          <p:cNvPr id="6" name="Textfeld 5"/>
+          <p:cNvSpPr txBox="1"/>
+          <p:nvPr/>
+        </p:nvSpPr>
+        <p:spPr>
+          <a:xfrm>
+            <a:off x="5669280" y="3137218"/>
+            <a:ext cx="3543300" cy="923330"/>
+          </a:xfrm>
+          <a:prstGeom prst="rect">
+            <a:avLst/>
+          </a:prstGeom>
+          <a:noFill/>
+        </p:spPr>
+        <p:txBody>
+          <a:bodyPr wrap="square" rtlCol="0">
+            <a:spAutoFit/>
+          </a:bodyPr>
+          <a:lstStyle/>
+          <a:p>
+            <a:r>
+              <a:rPr lang="de-DE" dirty="0" smtClean="0"/>
+              <a:t>Realisierung erfolgte durch ein Popup, auf welches im späteren Verlauf näher eingegangen wird.</a:t>
+            </a:r>
+            <a:endParaRPr lang="de-DE" dirty="0"/>
+          </a:p>
+        </p:txBody>
+      </p:sp>
     </p:spTree>
     <p:extLst>
       <p:ext uri="{BB962C8B-B14F-4D97-AF65-F5344CB8AC3E}">
-        <p14:creationId xmlns:p14="http://schemas.microsoft.com/office/powerpoint/2010/main" val="3638698869"/>
+        <p14:creationId xmlns:p14="http://schemas.microsoft.com/office/powerpoint/2010/main" val="2727778523"/>
       </p:ext>
     </p:extLst>
   </p:cSld>
@@ -6883,7 +7026,7 @@
             </a:r>
             <a:r>
               <a:rPr lang="de-DE" dirty="0" smtClean="0"/>
-              <a:t>-Cases IV</a:t>
+              <a:t>-Cases V</a:t>
             </a:r>
             <a:endParaRPr lang="de-DE" dirty="0"/>
           </a:p>
@@ -6891,7 +7034,7 @@
       </p:sp>
       <p:pic>
         <p:nvPicPr>
-          <p:cNvPr id="4" name="Inhaltsplatzhalter 3"/>
+          <p:cNvPr id="3" name="Inhaltsplatzhalter 2"/>
           <p:cNvPicPr>
             <a:picLocks noGrp="1" noChangeAspect="1"/>
           </p:cNvPicPr>
@@ -6918,10 +7061,51 @@
           </a:xfrm>
         </p:spPr>
       </p:pic>
+      <p:pic>
+        <p:nvPicPr>
+          <p:cNvPr id="2050" name="Picture 2" descr="Image result for rotes x"/>
+          <p:cNvPicPr>
+            <a:picLocks noChangeAspect="1" noChangeArrowheads="1"/>
+          </p:cNvPicPr>
+          <p:nvPr/>
+        </p:nvPicPr>
+        <p:blipFill>
+          <a:blip r:embed="rId3">
+            <a:extLst>
+              <a:ext uri="{28A0092B-C50C-407E-A947-70E740481C1C}">
+                <a14:useLocalDpi xmlns:a14="http://schemas.microsoft.com/office/drawing/2010/main" val="0"/>
+              </a:ext>
+            </a:extLst>
+          </a:blip>
+          <a:srcRect/>
+          <a:stretch>
+            <a:fillRect/>
+          </a:stretch>
+        </p:blipFill>
+        <p:spPr bwMode="auto">
+          <a:xfrm>
+            <a:off x="7156651" y="4313238"/>
+            <a:ext cx="1254780" cy="1106488"/>
+          </a:xfrm>
+          <a:prstGeom prst="rect">
+            <a:avLst/>
+          </a:prstGeom>
+          <a:noFill/>
+          <a:extLst>
+            <a:ext uri="{909E8E84-426E-40DD-AFC4-6F175D3DCCD1}">
+              <a14:hiddenFill xmlns:a14="http://schemas.microsoft.com/office/drawing/2010/main">
+                <a:solidFill>
+                  <a:srgbClr val="FFFFFF"/>
+                </a:solidFill>
+              </a14:hiddenFill>
+            </a:ext>
+          </a:extLst>
+        </p:spPr>
+      </p:pic>
     </p:spTree>
     <p:extLst>
       <p:ext uri="{BB962C8B-B14F-4D97-AF65-F5344CB8AC3E}">
-        <p14:creationId xmlns:p14="http://schemas.microsoft.com/office/powerpoint/2010/main" val="2727778523"/>
+        <p14:creationId xmlns:p14="http://schemas.microsoft.com/office/powerpoint/2010/main" val="3775095468"/>
       </p:ext>
     </p:extLst>
   </p:cSld>
@@ -6964,40 +7148,60 @@
           <a:lstStyle/>
           <a:p>
             <a:r>
+              <a:rPr lang="de-DE" dirty="0" smtClean="0"/>
+              <a:t>Verwendete Technologien</a:t>
+            </a:r>
+            <a:endParaRPr lang="de-DE" dirty="0"/>
+          </a:p>
+        </p:txBody>
+      </p:sp>
+      <p:sp>
+        <p:nvSpPr>
+          <p:cNvPr id="3" name="Inhaltsplatzhalter 2"/>
+          <p:cNvSpPr>
+            <a:spLocks noGrp="1"/>
+          </p:cNvSpPr>
+          <p:nvPr>
+            <p:ph idx="1"/>
+          </p:nvPr>
+        </p:nvSpPr>
+        <p:spPr/>
+        <p:txBody>
+          <a:bodyPr/>
+          <a:lstStyle/>
+          <a:p>
+            <a:r>
               <a:rPr lang="de-DE" dirty="0" err="1" smtClean="0"/>
-              <a:t>Use</a:t>
-            </a:r>
+              <a:t>ReactJS</a:t>
+            </a:r>
+            <a:endParaRPr lang="de-DE" dirty="0" smtClean="0"/>
+          </a:p>
+          <a:p>
             <a:r>
               <a:rPr lang="de-DE" dirty="0" smtClean="0"/>
-              <a:t>-Cases V</a:t>
+              <a:t>HTML</a:t>
+            </a:r>
+          </a:p>
+          <a:p>
+            <a:r>
+              <a:rPr lang="de-DE" dirty="0" err="1" smtClean="0"/>
+              <a:t>Javascript</a:t>
+            </a:r>
+            <a:endParaRPr lang="de-DE" dirty="0" smtClean="0"/>
+          </a:p>
+          <a:p>
+            <a:r>
+              <a:rPr lang="de-DE" dirty="0" smtClean="0"/>
+              <a:t>CSS</a:t>
             </a:r>
             <a:endParaRPr lang="de-DE" dirty="0"/>
-          </a:p>
-        </p:txBody>
-      </p:sp>
-      <p:sp>
-        <p:nvSpPr>
-          <p:cNvPr id="5" name="Inhaltsplatzhalter 4"/>
-          <p:cNvSpPr>
-            <a:spLocks noGrp="1"/>
-          </p:cNvSpPr>
-          <p:nvPr>
-            <p:ph idx="1"/>
-          </p:nvPr>
-        </p:nvSpPr>
-        <p:spPr/>
-        <p:txBody>
-          <a:bodyPr/>
-          <a:lstStyle/>
-          <a:p>
-            <a:endParaRPr lang="de-DE"/>
           </a:p>
         </p:txBody>
       </p:sp>
     </p:spTree>
     <p:extLst>
       <p:ext uri="{BB962C8B-B14F-4D97-AF65-F5344CB8AC3E}">
-        <p14:creationId xmlns:p14="http://schemas.microsoft.com/office/powerpoint/2010/main" val="3775095468"/>
+        <p14:creationId xmlns:p14="http://schemas.microsoft.com/office/powerpoint/2010/main" val="1131254442"/>
       </p:ext>
     </p:extLst>
   </p:cSld>
@@ -7034,46 +7238,58 @@
             <p:ph type="title"/>
           </p:nvPr>
         </p:nvSpPr>
-        <p:spPr/>
+        <p:spPr>
+          <a:xfrm>
+            <a:off x="1295402" y="615128"/>
+            <a:ext cx="9601196" cy="1303867"/>
+          </a:xfrm>
+        </p:spPr>
         <p:txBody>
           <a:bodyPr/>
           <a:lstStyle/>
           <a:p>
             <a:r>
-              <a:rPr lang="de-DE" dirty="0" err="1" smtClean="0"/>
-              <a:t>Use</a:t>
-            </a:r>
-            <a:r>
               <a:rPr lang="de-DE" dirty="0" smtClean="0"/>
-              <a:t>-Cases VI</a:t>
+              <a:t>Theoretischer Aufbau der Software</a:t>
             </a:r>
             <a:endParaRPr lang="de-DE" dirty="0"/>
           </a:p>
         </p:txBody>
       </p:sp>
-      <p:sp>
-        <p:nvSpPr>
-          <p:cNvPr id="3" name="Inhaltsplatzhalter 2"/>
-          <p:cNvSpPr>
-            <a:spLocks noGrp="1"/>
-          </p:cNvSpPr>
-          <p:nvPr>
-            <p:ph idx="1"/>
-          </p:nvPr>
-        </p:nvSpPr>
-        <p:spPr/>
-        <p:txBody>
-          <a:bodyPr/>
-          <a:lstStyle/>
-          <a:p>
-            <a:endParaRPr lang="de-DE"/>
-          </a:p>
-        </p:txBody>
-      </p:sp>
+      <p:pic>
+        <p:nvPicPr>
+          <p:cNvPr id="4" name="Grafik 3"/>
+          <p:cNvPicPr>
+            <a:picLocks noChangeAspect="1"/>
+          </p:cNvPicPr>
+          <p:nvPr/>
+        </p:nvPicPr>
+        <p:blipFill>
+          <a:blip r:embed="rId2">
+            <a:extLst>
+              <a:ext uri="{28A0092B-C50C-407E-A947-70E740481C1C}">
+                <a14:useLocalDpi xmlns:a14="http://schemas.microsoft.com/office/drawing/2010/main" val="0"/>
+              </a:ext>
+            </a:extLst>
+          </a:blip>
+          <a:stretch>
+            <a:fillRect/>
+          </a:stretch>
+        </p:blipFill>
+        <p:spPr>
+          <a:xfrm>
+            <a:off x="2850088" y="2505075"/>
+            <a:ext cx="6491823" cy="3434054"/>
+          </a:xfrm>
+          <a:prstGeom prst="rect">
+            <a:avLst/>
+          </a:prstGeom>
+        </p:spPr>
+      </p:pic>
     </p:spTree>
     <p:extLst>
       <p:ext uri="{BB962C8B-B14F-4D97-AF65-F5344CB8AC3E}">
-        <p14:creationId xmlns:p14="http://schemas.microsoft.com/office/powerpoint/2010/main" val="2297448151"/>
+        <p14:creationId xmlns:p14="http://schemas.microsoft.com/office/powerpoint/2010/main" val="3556645495"/>
       </p:ext>
     </p:extLst>
   </p:cSld>
